--- a/Algoritmo_cal_ruby_on_rails/Algoritmo_Calendarizacion.pptx
+++ b/Algoritmo_cal_ruby_on_rails/Algoritmo_Calendarizacion.pptx
@@ -293,7 +293,7 @@
           <a:p>
             <a:fld id="{7A847CFC-816F-41D0-AAC0-9BF4FEBC753E}" type="datetimeFigureOut">
               <a:rPr lang="es-ES" smtClean="0"/>
-              <a:t>25/10/2014</a:t>
+              <a:t>26/10/2014</a:t>
             </a:fld>
             <a:endParaRPr lang="es-ES"/>
           </a:p>
@@ -458,7 +458,7 @@
           <a:p>
             <a:fld id="{7A847CFC-816F-41D0-AAC0-9BF4FEBC753E}" type="datetimeFigureOut">
               <a:rPr lang="es-ES" smtClean="0"/>
-              <a:t>25/10/2014</a:t>
+              <a:t>26/10/2014</a:t>
             </a:fld>
             <a:endParaRPr lang="es-ES"/>
           </a:p>
@@ -633,7 +633,7 @@
           <a:p>
             <a:fld id="{7A847CFC-816F-41D0-AAC0-9BF4FEBC753E}" type="datetimeFigureOut">
               <a:rPr lang="es-ES" smtClean="0"/>
-              <a:t>25/10/2014</a:t>
+              <a:t>26/10/2014</a:t>
             </a:fld>
             <a:endParaRPr lang="es-ES"/>
           </a:p>
@@ -798,7 +798,7 @@
           <a:p>
             <a:fld id="{7A847CFC-816F-41D0-AAC0-9BF4FEBC753E}" type="datetimeFigureOut">
               <a:rPr lang="es-ES" smtClean="0"/>
-              <a:t>25/10/2014</a:t>
+              <a:t>26/10/2014</a:t>
             </a:fld>
             <a:endParaRPr lang="es-ES"/>
           </a:p>
@@ -1039,7 +1039,7 @@
           <a:p>
             <a:fld id="{7A847CFC-816F-41D0-AAC0-9BF4FEBC753E}" type="datetimeFigureOut">
               <a:rPr lang="es-ES" smtClean="0"/>
-              <a:t>25/10/2014</a:t>
+              <a:t>26/10/2014</a:t>
             </a:fld>
             <a:endParaRPr lang="es-ES"/>
           </a:p>
@@ -1322,7 +1322,7 @@
           <a:p>
             <a:fld id="{7A847CFC-816F-41D0-AAC0-9BF4FEBC753E}" type="datetimeFigureOut">
               <a:rPr lang="es-ES" smtClean="0"/>
-              <a:t>25/10/2014</a:t>
+              <a:t>26/10/2014</a:t>
             </a:fld>
             <a:endParaRPr lang="es-ES"/>
           </a:p>
@@ -1739,7 +1739,7 @@
           <a:p>
             <a:fld id="{7A847CFC-816F-41D0-AAC0-9BF4FEBC753E}" type="datetimeFigureOut">
               <a:rPr lang="es-ES" smtClean="0"/>
-              <a:t>25/10/2014</a:t>
+              <a:t>26/10/2014</a:t>
             </a:fld>
             <a:endParaRPr lang="es-ES"/>
           </a:p>
@@ -1852,7 +1852,7 @@
           <a:p>
             <a:fld id="{7A847CFC-816F-41D0-AAC0-9BF4FEBC753E}" type="datetimeFigureOut">
               <a:rPr lang="es-ES" smtClean="0"/>
-              <a:t>25/10/2014</a:t>
+              <a:t>26/10/2014</a:t>
             </a:fld>
             <a:endParaRPr lang="es-ES"/>
           </a:p>
@@ -1942,7 +1942,7 @@
           <a:p>
             <a:fld id="{7A847CFC-816F-41D0-AAC0-9BF4FEBC753E}" type="datetimeFigureOut">
               <a:rPr lang="es-ES" smtClean="0"/>
-              <a:t>25/10/2014</a:t>
+              <a:t>26/10/2014</a:t>
             </a:fld>
             <a:endParaRPr lang="es-ES"/>
           </a:p>
@@ -2214,7 +2214,7 @@
           <a:p>
             <a:fld id="{7A847CFC-816F-41D0-AAC0-9BF4FEBC753E}" type="datetimeFigureOut">
               <a:rPr lang="es-ES" smtClean="0"/>
-              <a:t>25/10/2014</a:t>
+              <a:t>26/10/2014</a:t>
             </a:fld>
             <a:endParaRPr lang="es-ES"/>
           </a:p>
@@ -2462,7 +2462,7 @@
           <a:p>
             <a:fld id="{7A847CFC-816F-41D0-AAC0-9BF4FEBC753E}" type="datetimeFigureOut">
               <a:rPr lang="es-ES" smtClean="0"/>
-              <a:t>25/10/2014</a:t>
+              <a:t>26/10/2014</a:t>
             </a:fld>
             <a:endParaRPr lang="es-ES"/>
           </a:p>
@@ -2670,7 +2670,7 @@
           <a:p>
             <a:fld id="{7A847CFC-816F-41D0-AAC0-9BF4FEBC753E}" type="datetimeFigureOut">
               <a:rPr lang="es-ES" smtClean="0"/>
-              <a:t>25/10/2014</a:t>
+              <a:t>26/10/2014</a:t>
             </a:fld>
             <a:endParaRPr lang="es-ES"/>
           </a:p>
@@ -3163,7 +3163,7 @@
       </p:sp>
       <p:pic>
         <p:nvPicPr>
-          <p:cNvPr id="1028" name="Picture 4" descr="C:\Users\Kira\Dropbox\public\Ingenieria de Software\Flow_Chart_Calendarizacion-page-001.jpg"/>
+          <p:cNvPr id="1026" name="Picture 2" descr="C:\Users\BytingPixels\Desktop\PPR\Algoritmo_cal_ruby_on_rails\Flow_Chart_Calendarizacion-page-001.jpg"/>
           <p:cNvPicPr>
             <a:picLocks noChangeAspect="1" noChangeArrowheads="1"/>
           </p:cNvPicPr>
@@ -3184,8 +3184,8 @@
         </p:blipFill>
         <p:spPr bwMode="auto">
           <a:xfrm>
-            <a:off x="251520" y="1032"/>
-            <a:ext cx="8573187" cy="6624736"/>
+            <a:off x="611560" y="347823"/>
+            <a:ext cx="8424936" cy="6510177"/>
           </a:xfrm>
           <a:prstGeom prst="rect">
             <a:avLst/>

--- a/Algoritmo_cal_ruby_on_rails/Algoritmo_Calendarizacion.pptx
+++ b/Algoritmo_cal_ruby_on_rails/Algoritmo_Calendarizacion.pptx
@@ -3163,7 +3163,7 @@
       </p:sp>
       <p:pic>
         <p:nvPicPr>
-          <p:cNvPr id="1026" name="Picture 2" descr="C:\Users\BytingPixels\Desktop\PPR\Algoritmo_cal_ruby_on_rails\Flow_Chart_Calendarizacion-page-001.jpg"/>
+          <p:cNvPr id="2" name="Picture 2" descr="C:\Users\BytingPixels\Desktop\PPR\Algoritmo_cal_ruby_on_rails\Flow_Chart_Calendarizacion-page-001.jpg"/>
           <p:cNvPicPr>
             <a:picLocks noChangeAspect="1" noChangeArrowheads="1"/>
           </p:cNvPicPr>
@@ -3184,8 +3184,8 @@
         </p:blipFill>
         <p:spPr bwMode="auto">
           <a:xfrm>
-            <a:off x="611560" y="347823"/>
-            <a:ext cx="8424936" cy="6510177"/>
+            <a:off x="395536" y="116632"/>
+            <a:ext cx="8372113" cy="6469360"/>
           </a:xfrm>
           <a:prstGeom prst="rect">
             <a:avLst/>
